--- a/Weekly Meeting/0415Meeting.pptx
+++ b/Weekly Meeting/0415Meeting.pptx
@@ -2946,7 +2946,15 @@
           <a:p>
             <a:r>
               <a:rPr lang="en-GB" altLang="zh-CN"/>
-              <a:t>0415Meeting</a:t>
+              <a:t>041</a:t>
+            </a:r>
+            <a:r>
+              <a:rPr lang="en-US" altLang="en-GB"/>
+              <a:t>4</a:t>
+            </a:r>
+            <a:r>
+              <a:rPr lang="en-GB" altLang="zh-CN"/>
+              <a:t>Meeting</a:t>
             </a:r>
             <a:endParaRPr lang="en-GB" altLang="zh-CN"/>
           </a:p>
@@ -3050,7 +3058,7 @@
         </p:blipFill>
         <p:spPr>
           <a:xfrm>
-            <a:off x="6602095" y="365125"/>
+            <a:off x="6551930" y="214630"/>
             <a:ext cx="4215764" cy="2880000"/>
           </a:xfrm>
           <a:prstGeom prst="rect">
@@ -3449,7 +3457,12 @@
             <p:ph idx="1"/>
           </p:nvPr>
         </p:nvSpPr>
-        <p:spPr/>
+        <p:spPr>
+          <a:xfrm>
+            <a:off x="838200" y="1783715"/>
+            <a:ext cx="10515600" cy="4351338"/>
+          </a:xfrm>
+        </p:spPr>
         <p:txBody>
           <a:bodyPr/>
           <a:p>
@@ -3458,7 +3471,15 @@
             </a:pPr>
             <a:r>
               <a:rPr lang="zh-CN" altLang="en-US"/>
-              <a:t>1. 對比鄰接圖構建方法（knn/enn），對比不同參數（k/e），對比</a:t>
+              <a:t>1. </a:t>
+            </a:r>
+            <a:r>
+              <a:rPr lang="zh-CN" altLang="en-US" u="sng"/>
+              <a:t>對比</a:t>
+            </a:r>
+            <a:r>
+              <a:rPr lang="zh-CN" altLang="en-US"/>
+              <a:t>鄰接圖構建方法（knn/enn），對比不同參數（k/e），對比</a:t>
             </a:r>
             <a:r>
               <a:rPr lang="zh-CN" altLang="en-US" u="sng"/>
@@ -3514,7 +3535,15 @@
             </a:pPr>
             <a:r>
               <a:rPr lang="zh-CN" altLang="en-US"/>
-              <a:t>2. 將laplacian eigen map方法應用到Corpus和Toy兩個資料集中。</a:t>
+              <a:t>2. 將laplacian eigen map方法</a:t>
+            </a:r>
+            <a:r>
+              <a:rPr lang="zh-CN" altLang="en-US" u="sng"/>
+              <a:t>應用到Corpus和Toy兩個資料集中</a:t>
+            </a:r>
+            <a:r>
+              <a:rPr lang="zh-CN" altLang="en-US"/>
+              <a:t>。</a:t>
             </a:r>
             <a:endParaRPr lang="zh-CN" altLang="en-US"/>
           </a:p>
@@ -3892,7 +3921,7 @@
         </p:nvSpPr>
         <p:spPr>
           <a:xfrm>
-            <a:off x="838200" y="1825625"/>
+            <a:off x="827405" y="1793240"/>
             <a:ext cx="3528060" cy="4857115"/>
           </a:xfrm>
         </p:spPr>
@@ -4131,7 +4160,7 @@
         </p:blipFill>
         <p:spPr>
           <a:xfrm>
-            <a:off x="4843780" y="3429000"/>
+            <a:off x="4474210" y="3178810"/>
             <a:ext cx="7169150" cy="1530350"/>
           </a:xfrm>
           <a:prstGeom prst="rect">
@@ -4155,7 +4184,7 @@
         </p:blipFill>
         <p:spPr>
           <a:xfrm>
-            <a:off x="4824730" y="5276850"/>
+            <a:off x="4474210" y="4915535"/>
             <a:ext cx="7353300" cy="1581150"/>
           </a:xfrm>
           <a:prstGeom prst="rect">
@@ -4327,7 +4356,15 @@
             </a:pPr>
             <a:r>
               <a:rPr lang="en-US" altLang="zh-CN"/>
-              <a:t>Count the cooccurrence frequency</a:t>
+              <a:t>Count the </a:t>
+            </a:r>
+            <a:r>
+              <a:rPr lang="en-US" altLang="zh-CN" u="sng"/>
+              <a:t>cooccurrence</a:t>
+            </a:r>
+            <a:r>
+              <a:rPr lang="en-US" altLang="zh-CN"/>
+              <a:t> frequency</a:t>
             </a:r>
             <a:endParaRPr lang="en-US" altLang="zh-CN"/>
           </a:p>
@@ -4403,8 +4440,8 @@
         </p:nvSpPr>
         <p:spPr>
           <a:xfrm>
-            <a:off x="5780405" y="1585595"/>
-            <a:ext cx="5862955" cy="2245360"/>
+            <a:off x="5780405" y="621030"/>
+            <a:ext cx="5862955" cy="2676525"/>
           </a:xfrm>
           <a:prstGeom prst="rect">
             <a:avLst/>
@@ -4467,6 +4504,13 @@
             <a:endParaRPr lang="en-US" altLang="zh-CN" sz="2800"/>
           </a:p>
           <a:p>
+            <a:endParaRPr lang="en-US" altLang="zh-CN" sz="2800"/>
+          </a:p>
+          <a:p>
+            <a:r>
+              <a:rPr lang="en-US" altLang="zh-CN" sz="2800" u="sng"/>
+              <a:t>context embedding</a:t>
+            </a:r>
             <a:endParaRPr lang="en-US" altLang="zh-CN" sz="2800"/>
           </a:p>
           <a:p>
@@ -4490,7 +4534,7 @@
         </p:blipFill>
         <p:spPr>
           <a:xfrm>
-            <a:off x="6289675" y="3297555"/>
+            <a:off x="6064250" y="3297555"/>
             <a:ext cx="5295900" cy="1066800"/>
           </a:xfrm>
           <a:prstGeom prst="rect">
@@ -4959,7 +5003,7 @@
         </p:blipFill>
         <p:spPr>
           <a:xfrm>
-            <a:off x="3524250" y="189230"/>
+            <a:off x="4948555" y="91440"/>
             <a:ext cx="5404519" cy="3240000"/>
           </a:xfrm>
           <a:prstGeom prst="rect">
@@ -4983,7 +5027,7 @@
         </p:blipFill>
         <p:spPr>
           <a:xfrm>
-            <a:off x="3387090" y="3482340"/>
+            <a:off x="3032760" y="3618230"/>
             <a:ext cx="4493494" cy="3240000"/>
           </a:xfrm>
           <a:prstGeom prst="rect">
@@ -5007,7 +5051,7 @@
         </p:blipFill>
         <p:spPr>
           <a:xfrm>
-            <a:off x="7736205" y="3482340"/>
+            <a:off x="7568565" y="3429000"/>
             <a:ext cx="4528193" cy="3240000"/>
           </a:xfrm>
           <a:prstGeom prst="rect">
